--- a/FGC_クラッチ・スラッガー/クラッチスラッガー ゲーム企画書.pptx
+++ b/FGC_クラッチ・スラッガー/クラッチスラッガー ゲーム企画書.pptx
@@ -265,7 +265,7 @@
           <a:p>
             <a:fld id="{1E5ACCFD-1DF3-462C-887A-F56A8B6C9A63}" type="datetimeFigureOut">
               <a:rPr kumimoji="1" lang="ja-JP" altLang="en-US" smtClean="0"/>
-              <a:t>2024/12/17</a:t>
+              <a:t>2025/1/21</a:t>
             </a:fld>
             <a:endParaRPr kumimoji="1" lang="ja-JP" altLang="en-US"/>
           </a:p>
@@ -497,7 +497,7 @@
           <a:p>
             <a:fld id="{1E5ACCFD-1DF3-462C-887A-F56A8B6C9A63}" type="datetimeFigureOut">
               <a:rPr kumimoji="1" lang="ja-JP" altLang="en-US" smtClean="0"/>
-              <a:t>2024/12/17</a:t>
+              <a:t>2025/1/21</a:t>
             </a:fld>
             <a:endParaRPr kumimoji="1" lang="ja-JP" altLang="en-US"/>
           </a:p>
@@ -739,7 +739,7 @@
           <a:p>
             <a:fld id="{1E5ACCFD-1DF3-462C-887A-F56A8B6C9A63}" type="datetimeFigureOut">
               <a:rPr kumimoji="1" lang="ja-JP" altLang="en-US" smtClean="0"/>
-              <a:t>2024/12/17</a:t>
+              <a:t>2025/1/21</a:t>
             </a:fld>
             <a:endParaRPr kumimoji="1" lang="ja-JP" altLang="en-US"/>
           </a:p>
@@ -971,7 +971,7 @@
           <a:p>
             <a:fld id="{1E5ACCFD-1DF3-462C-887A-F56A8B6C9A63}" type="datetimeFigureOut">
               <a:rPr kumimoji="1" lang="ja-JP" altLang="en-US" smtClean="0"/>
-              <a:t>2024/12/17</a:t>
+              <a:t>2025/1/21</a:t>
             </a:fld>
             <a:endParaRPr kumimoji="1" lang="ja-JP" altLang="en-US"/>
           </a:p>
@@ -1247,7 +1247,7 @@
           <a:p>
             <a:fld id="{1E5ACCFD-1DF3-462C-887A-F56A8B6C9A63}" type="datetimeFigureOut">
               <a:rPr kumimoji="1" lang="ja-JP" altLang="en-US" smtClean="0"/>
-              <a:t>2024/12/17</a:t>
+              <a:t>2025/1/21</a:t>
             </a:fld>
             <a:endParaRPr kumimoji="1" lang="ja-JP" altLang="en-US"/>
           </a:p>
@@ -1579,7 +1579,7 @@
           <a:p>
             <a:fld id="{1E5ACCFD-1DF3-462C-887A-F56A8B6C9A63}" type="datetimeFigureOut">
               <a:rPr kumimoji="1" lang="ja-JP" altLang="en-US" smtClean="0"/>
-              <a:t>2024/12/17</a:t>
+              <a:t>2025/1/21</a:t>
             </a:fld>
             <a:endParaRPr kumimoji="1" lang="ja-JP" altLang="en-US"/>
           </a:p>
@@ -2058,7 +2058,7 @@
           <a:p>
             <a:fld id="{1E5ACCFD-1DF3-462C-887A-F56A8B6C9A63}" type="datetimeFigureOut">
               <a:rPr kumimoji="1" lang="ja-JP" altLang="en-US" smtClean="0"/>
-              <a:t>2024/12/17</a:t>
+              <a:t>2025/1/21</a:t>
             </a:fld>
             <a:endParaRPr kumimoji="1" lang="ja-JP" altLang="en-US"/>
           </a:p>
@@ -2200,7 +2200,7 @@
           <a:p>
             <a:fld id="{1E5ACCFD-1DF3-462C-887A-F56A8B6C9A63}" type="datetimeFigureOut">
               <a:rPr kumimoji="1" lang="ja-JP" altLang="en-US" smtClean="0"/>
-              <a:t>2024/12/17</a:t>
+              <a:t>2025/1/21</a:t>
             </a:fld>
             <a:endParaRPr kumimoji="1" lang="ja-JP" altLang="en-US"/>
           </a:p>
@@ -2313,7 +2313,7 @@
           <a:p>
             <a:fld id="{1E5ACCFD-1DF3-462C-887A-F56A8B6C9A63}" type="datetimeFigureOut">
               <a:rPr kumimoji="1" lang="ja-JP" altLang="en-US" smtClean="0"/>
-              <a:t>2024/12/17</a:t>
+              <a:t>2025/1/21</a:t>
             </a:fld>
             <a:endParaRPr kumimoji="1" lang="ja-JP" altLang="en-US"/>
           </a:p>
@@ -2658,7 +2658,7 @@
           <a:p>
             <a:fld id="{1E5ACCFD-1DF3-462C-887A-F56A8B6C9A63}" type="datetimeFigureOut">
               <a:rPr kumimoji="1" lang="ja-JP" altLang="en-US" smtClean="0"/>
-              <a:t>2024/12/17</a:t>
+              <a:t>2025/1/21</a:t>
             </a:fld>
             <a:endParaRPr kumimoji="1" lang="ja-JP" altLang="en-US"/>
           </a:p>
@@ -2951,7 +2951,7 @@
           <a:p>
             <a:fld id="{1E5ACCFD-1DF3-462C-887A-F56A8B6C9A63}" type="datetimeFigureOut">
               <a:rPr kumimoji="1" lang="ja-JP" altLang="en-US" smtClean="0"/>
-              <a:t>2024/12/17</a:t>
+              <a:t>2025/1/21</a:t>
             </a:fld>
             <a:endParaRPr kumimoji="1" lang="ja-JP" altLang="en-US"/>
           </a:p>
@@ -3234,7 +3234,7 @@
           <a:p>
             <a:fld id="{1E5ACCFD-1DF3-462C-887A-F56A8B6C9A63}" type="datetimeFigureOut">
               <a:rPr kumimoji="1" lang="ja-JP" altLang="en-US" smtClean="0"/>
-              <a:t>2024/12/17</a:t>
+              <a:t>2025/1/21</a:t>
             </a:fld>
             <a:endParaRPr kumimoji="1" lang="ja-JP" altLang="en-US"/>
           </a:p>
@@ -4582,15 +4582,11 @@
               <a:t>　</a:t>
             </a:r>
             <a:r>
-              <a:rPr lang="ja-JP" altLang="en-US" sz="3600" dirty="0" smtClean="0"/>
-              <a:t>　右</a:t>
-            </a:r>
-            <a:r>
-              <a:rPr lang="ja-JP" altLang="en-US" sz="3600" dirty="0"/>
-              <a:t>クリックまたは</a:t>
-            </a:r>
-            <a:r>
-              <a:rPr lang="en-US" altLang="ja-JP" sz="3600" dirty="0"/>
+              <a:rPr lang="ja-JP" altLang="en-US" sz="3600" smtClean="0"/>
+              <a:t>　</a:t>
+            </a:r>
+            <a:r>
+              <a:rPr lang="en-US" altLang="ja-JP" sz="3600" smtClean="0"/>
               <a:t>A</a:t>
             </a:r>
             <a:r>
@@ -5291,11 +5287,7 @@
             </a:r>
             <a:r>
               <a:rPr kumimoji="1" lang="ja-JP" altLang="en-US" sz="2800" dirty="0" smtClean="0"/>
-              <a:t>通常</a:t>
-            </a:r>
-            <a:r>
-              <a:rPr kumimoji="1" lang="ja-JP" altLang="en-US" sz="2800" dirty="0" smtClean="0"/>
-              <a:t>の野球とは違って、</a:t>
+              <a:t>通常の野球とは違って、</a:t>
             </a:r>
             <a:r>
               <a:rPr kumimoji="1" lang="en-US" altLang="ja-JP" sz="2800" dirty="0" smtClean="0"/>
@@ -5314,19 +5306,7 @@
             </a:r>
             <a:r>
               <a:rPr lang="ja-JP" altLang="en-US" sz="2800" dirty="0" smtClean="0"/>
-              <a:t>　　</a:t>
-            </a:r>
-            <a:r>
-              <a:rPr lang="ja-JP" altLang="en-US" sz="2800" dirty="0" smtClean="0"/>
-              <a:t>延長戦</a:t>
-            </a:r>
-            <a:r>
-              <a:rPr lang="ja-JP" altLang="en-US" sz="2800" dirty="0" smtClean="0"/>
-              <a:t>はランナーを置いた状態から始まり</a:t>
-            </a:r>
-            <a:r>
-              <a:rPr lang="ja-JP" altLang="en-US" sz="2800" dirty="0" smtClean="0"/>
-              <a:t>、</a:t>
+              <a:t>　　延長戦はランナーを置いた状態から始まり、</a:t>
             </a:r>
             <a:endParaRPr lang="en-US" altLang="ja-JP" sz="2800" dirty="0" smtClean="0"/>
           </a:p>
@@ -5337,11 +5317,7 @@
             </a:r>
             <a:r>
               <a:rPr lang="ja-JP" altLang="en-US" sz="2800" smtClean="0"/>
-              <a:t>　　</a:t>
-            </a:r>
-            <a:r>
-              <a:rPr lang="ja-JP" altLang="en-US" sz="2800" smtClean="0"/>
-              <a:t>同点</a:t>
+              <a:t>　　同点</a:t>
             </a:r>
             <a:r>
               <a:rPr lang="ja-JP" altLang="en-US" sz="2800" dirty="0" smtClean="0"/>
